--- a/notes/06-string-struct-malloc.pptx
+++ b/notes/06-string-struct-malloc.pptx
@@ -973,7 +973,7 @@
           <a:p>
             <a:fld id="{6F998A3A-B3F1-C640-8709-1356562CC12B}" type="datetimeFigureOut">
               <a:rPr lang="en-US" smtClean="0"/>
-              <a:t>2/19/19</a:t>
+              <a:t>2/20/19</a:t>
             </a:fld>
             <a:endParaRPr lang="en-US"/>
           </a:p>
@@ -1143,7 +1143,7 @@
           <a:p>
             <a:fld id="{6F998A3A-B3F1-C640-8709-1356562CC12B}" type="datetimeFigureOut">
               <a:rPr lang="en-US" smtClean="0"/>
-              <a:t>2/19/19</a:t>
+              <a:t>2/20/19</a:t>
             </a:fld>
             <a:endParaRPr lang="en-US"/>
           </a:p>
@@ -1323,7 +1323,7 @@
           <a:p>
             <a:fld id="{6F998A3A-B3F1-C640-8709-1356562CC12B}" type="datetimeFigureOut">
               <a:rPr lang="en-US" smtClean="0"/>
-              <a:t>2/19/19</a:t>
+              <a:t>2/20/19</a:t>
             </a:fld>
             <a:endParaRPr lang="en-US"/>
           </a:p>
@@ -1493,7 +1493,7 @@
           <a:p>
             <a:fld id="{6F998A3A-B3F1-C640-8709-1356562CC12B}" type="datetimeFigureOut">
               <a:rPr lang="en-US" smtClean="0"/>
-              <a:t>2/19/19</a:t>
+              <a:t>2/20/19</a:t>
             </a:fld>
             <a:endParaRPr lang="en-US"/>
           </a:p>
@@ -1739,7 +1739,7 @@
           <a:p>
             <a:fld id="{6F998A3A-B3F1-C640-8709-1356562CC12B}" type="datetimeFigureOut">
               <a:rPr lang="en-US" smtClean="0"/>
-              <a:t>2/19/19</a:t>
+              <a:t>2/20/19</a:t>
             </a:fld>
             <a:endParaRPr lang="en-US"/>
           </a:p>
@@ -2027,7 +2027,7 @@
           <a:p>
             <a:fld id="{6F998A3A-B3F1-C640-8709-1356562CC12B}" type="datetimeFigureOut">
               <a:rPr lang="en-US" smtClean="0"/>
-              <a:t>2/19/19</a:t>
+              <a:t>2/20/19</a:t>
             </a:fld>
             <a:endParaRPr lang="en-US"/>
           </a:p>
@@ -2449,7 +2449,7 @@
           <a:p>
             <a:fld id="{6F998A3A-B3F1-C640-8709-1356562CC12B}" type="datetimeFigureOut">
               <a:rPr lang="en-US" smtClean="0"/>
-              <a:t>2/19/19</a:t>
+              <a:t>2/20/19</a:t>
             </a:fld>
             <a:endParaRPr lang="en-US"/>
           </a:p>
@@ -2567,7 +2567,7 @@
           <a:p>
             <a:fld id="{6F998A3A-B3F1-C640-8709-1356562CC12B}" type="datetimeFigureOut">
               <a:rPr lang="en-US" smtClean="0"/>
-              <a:t>2/19/19</a:t>
+              <a:t>2/20/19</a:t>
             </a:fld>
             <a:endParaRPr lang="en-US"/>
           </a:p>
@@ -2662,7 +2662,7 @@
           <a:p>
             <a:fld id="{6F998A3A-B3F1-C640-8709-1356562CC12B}" type="datetimeFigureOut">
               <a:rPr lang="en-US" smtClean="0"/>
-              <a:t>2/19/19</a:t>
+              <a:t>2/20/19</a:t>
             </a:fld>
             <a:endParaRPr lang="en-US"/>
           </a:p>
@@ -2939,7 +2939,7 @@
           <a:p>
             <a:fld id="{6F998A3A-B3F1-C640-8709-1356562CC12B}" type="datetimeFigureOut">
               <a:rPr lang="en-US" smtClean="0"/>
-              <a:t>2/19/19</a:t>
+              <a:t>2/20/19</a:t>
             </a:fld>
             <a:endParaRPr lang="en-US"/>
           </a:p>
@@ -3192,7 +3192,7 @@
           <a:p>
             <a:fld id="{6F998A3A-B3F1-C640-8709-1356562CC12B}" type="datetimeFigureOut">
               <a:rPr lang="en-US" smtClean="0"/>
-              <a:t>2/19/19</a:t>
+              <a:t>2/20/19</a:t>
             </a:fld>
             <a:endParaRPr lang="en-US"/>
           </a:p>
@@ -3405,7 +3405,7 @@
           <a:p>
             <a:fld id="{6F998A3A-B3F1-C640-8709-1356562CC12B}" type="datetimeFigureOut">
               <a:rPr lang="en-US" smtClean="0"/>
-              <a:t>2/19/19</a:t>
+              <a:t>2/20/19</a:t>
             </a:fld>
             <a:endParaRPr lang="en-US"/>
           </a:p>
@@ -3812,11 +3812,7 @@
             </a:r>
             <a:r>
               <a:rPr lang="en-US" dirty="0" smtClean="0"/>
-              <a:t>&amp;</a:t>
-            </a:r>
-            <a:r>
-              <a:rPr lang="en-US" dirty="0" smtClean="0"/>
-              <a:t> strings</a:t>
+              <a:t>&amp; strings</a:t>
             </a:r>
             <a:endParaRPr lang="en-US" dirty="0"/>
           </a:p>
@@ -4477,14 +4473,6 @@
               </a:rPr>
               <a:t>p = &amp;a[0]; </a:t>
             </a:r>
-            <a:endParaRPr lang="en-US" altLang="zh-CN" sz="2000" dirty="0" smtClean="0">
-              <a:solidFill>
-                <a:srgbClr val="000000"/>
-              </a:solidFill>
-              <a:latin typeface="Consolas"/>
-              <a:ea typeface="宋体" pitchFamily="2" charset="-122"/>
-              <a:cs typeface="Consolas"/>
-            </a:endParaRPr>
           </a:p>
         </p:txBody>
       </p:sp>
@@ -5271,19 +5259,7 @@
                 <a:cs typeface="Consolas"/>
                 <a:sym typeface="Wingdings"/>
               </a:rPr>
-              <a:t> a is alias for </a:t>
-            </a:r>
-            <a:r>
-              <a:rPr lang="en-US" altLang="zh-CN" sz="2000" dirty="0" smtClean="0">
-                <a:solidFill>
-                  <a:srgbClr val="3366FF"/>
-                </a:solidFill>
-                <a:latin typeface="Consolas"/>
-                <a:ea typeface="宋体" pitchFamily="2" charset="-122"/>
-                <a:cs typeface="Consolas"/>
-                <a:sym typeface="Wingdings"/>
-              </a:rPr>
-              <a:t>&amp;a[0];</a:t>
+              <a:t> a is alias for &amp;a[0];</a:t>
             </a:r>
           </a:p>
           <a:p>
@@ -5732,19 +5708,7 @@
                 <a:cs typeface="Consolas"/>
                 <a:sym typeface="Wingdings"/>
               </a:rPr>
-              <a:t> a is alias for </a:t>
-            </a:r>
-            <a:r>
-              <a:rPr lang="en-US" altLang="zh-CN" sz="2000" dirty="0" smtClean="0">
-                <a:solidFill>
-                  <a:srgbClr val="3366FF"/>
-                </a:solidFill>
-                <a:latin typeface="Consolas"/>
-                <a:ea typeface="宋体" pitchFamily="2" charset="-122"/>
-                <a:cs typeface="Consolas"/>
-                <a:sym typeface="Wingdings"/>
-              </a:rPr>
-              <a:t>&amp;a[0];</a:t>
+              <a:t> a is alias for &amp;a[0];</a:t>
             </a:r>
           </a:p>
           <a:p>
@@ -6995,14 +6959,6 @@
               </a:rPr>
               <a:t>p = &amp;a[0]; </a:t>
             </a:r>
-            <a:endParaRPr lang="en-US" altLang="zh-CN" sz="2000" dirty="0" smtClean="0">
-              <a:solidFill>
-                <a:srgbClr val="000000"/>
-              </a:solidFill>
-              <a:latin typeface="Consolas"/>
-              <a:ea typeface="宋体" pitchFamily="2" charset="-122"/>
-              <a:cs typeface="Consolas"/>
-            </a:endParaRPr>
           </a:p>
         </p:txBody>
       </p:sp>
@@ -8436,11 +8392,6 @@
               </a:rPr>
               <a:t>same as:</a:t>
             </a:r>
-            <a:endParaRPr lang="en-US" sz="2000" dirty="0" smtClean="0">
-              <a:solidFill>
-                <a:srgbClr val="000000"/>
-              </a:solidFill>
-            </a:endParaRPr>
           </a:p>
           <a:p>
             <a:r>
@@ -8510,11 +8461,6 @@
               </a:rPr>
               <a:t>same as:</a:t>
             </a:r>
-            <a:endParaRPr lang="en-US" sz="2000" dirty="0" smtClean="0">
-              <a:solidFill>
-                <a:srgbClr val="000000"/>
-              </a:solidFill>
-            </a:endParaRPr>
           </a:p>
           <a:p>
             <a:r>
@@ -8543,11 +8489,6 @@
               </a:rPr>
               <a:t>p = a;</a:t>
             </a:r>
-            <a:endParaRPr lang="en-US" sz="2000" dirty="0" smtClean="0">
-              <a:solidFill>
-                <a:srgbClr val="000000"/>
-              </a:solidFill>
-            </a:endParaRPr>
           </a:p>
         </p:txBody>
       </p:sp>
@@ -16437,7 +16378,21 @@
                 <a:latin typeface="Consolas"/>
                 <a:cs typeface="Consolas"/>
               </a:rPr>
-              <a:t> != 127)</a:t>
+              <a:t> != </a:t>
+            </a:r>
+            <a:r>
+              <a:rPr kumimoji="1" lang="en-US" altLang="zh-CN" sz="2400" smtClean="0">
+                <a:latin typeface="Consolas"/>
+                <a:cs typeface="Consolas"/>
+              </a:rPr>
+              <a:t>255</a:t>
+            </a:r>
+            <a:r>
+              <a:rPr kumimoji="1" lang="en-US" altLang="zh-CN" sz="2400" smtClean="0">
+                <a:latin typeface="Consolas"/>
+                <a:cs typeface="Consolas"/>
+              </a:rPr>
+              <a:t>)</a:t>
             </a:r>
             <a:r>
               <a:rPr kumimoji="1" lang="en-US" altLang="zh-CN" sz="2400" dirty="0" smtClean="0">
@@ -16652,11 +16607,11 @@
   <p:clrMapOvr>
     <a:masterClrMapping/>
   </p:clrMapOvr>
-  <mc:AlternateContent xmlns:mc="http://schemas.openxmlformats.org/markup-compatibility/2006">
-    <mc:Choice xmlns:p14="http://schemas.microsoft.com/office/powerpoint/2010/main" Requires="p14">
+  <mc:AlternateContent xmlns:mc="http://schemas.openxmlformats.org/markup-compatibility/2006" xmlns:p14="http://schemas.microsoft.com/office/powerpoint/2010/main">
+    <mc:Choice Requires="p14">
       <p:transition spd="slow" p14:dur="2000"/>
     </mc:Choice>
-    <mc:Fallback>
+    <mc:Fallback xmlns="">
       <p:transition xmlns:p14="http://schemas.microsoft.com/office/powerpoint/2010/main" spd="slow"/>
     </mc:Fallback>
   </mc:AlternateContent>
@@ -17127,11 +17082,11 @@
   <p:clrMapOvr>
     <a:masterClrMapping/>
   </p:clrMapOvr>
-  <mc:AlternateContent xmlns:mc="http://schemas.openxmlformats.org/markup-compatibility/2006">
-    <mc:Choice xmlns:p14="http://schemas.microsoft.com/office/powerpoint/2010/main" Requires="p14">
+  <mc:AlternateContent xmlns:mc="http://schemas.openxmlformats.org/markup-compatibility/2006" xmlns:p14="http://schemas.microsoft.com/office/powerpoint/2010/main">
+    <mc:Choice Requires="p14">
       <p:transition spd="slow" p14:dur="2000"/>
     </mc:Choice>
-    <mc:Fallback>
+    <mc:Fallback xmlns="">
       <p:transition xmlns:p14="http://schemas.microsoft.com/office/powerpoint/2010/main" spd="slow"/>
     </mc:Fallback>
   </mc:AlternateContent>
@@ -17637,11 +17592,11 @@
   <p:clrMapOvr>
     <a:masterClrMapping/>
   </p:clrMapOvr>
-  <mc:AlternateContent xmlns:mc="http://schemas.openxmlformats.org/markup-compatibility/2006">
-    <mc:Choice xmlns:p14="http://schemas.microsoft.com/office/powerpoint/2010/main" Requires="p14">
+  <mc:AlternateContent xmlns:mc="http://schemas.openxmlformats.org/markup-compatibility/2006" xmlns:p14="http://schemas.microsoft.com/office/powerpoint/2010/main">
+    <mc:Choice Requires="p14">
       <p:transition spd="slow" p14:dur="2000"/>
     </mc:Choice>
-    <mc:Fallback>
+    <mc:Fallback xmlns="">
       <p:transition xmlns:p14="http://schemas.microsoft.com/office/powerpoint/2010/main" spd="slow"/>
     </mc:Fallback>
   </mc:AlternateContent>
@@ -18570,11 +18525,11 @@
   <p:clrMapOvr>
     <a:masterClrMapping/>
   </p:clrMapOvr>
-  <mc:AlternateContent xmlns:mc="http://schemas.openxmlformats.org/markup-compatibility/2006">
-    <mc:Choice xmlns:p14="http://schemas.microsoft.com/office/powerpoint/2010/main" Requires="p14">
+  <mc:AlternateContent xmlns:mc="http://schemas.openxmlformats.org/markup-compatibility/2006" xmlns:p14="http://schemas.microsoft.com/office/powerpoint/2010/main">
+    <mc:Choice Requires="p14">
       <p:transition spd="slow" p14:dur="2000"/>
     </mc:Choice>
-    <mc:Fallback>
+    <mc:Fallback xmlns="">
       <p:transition xmlns:p14="http://schemas.microsoft.com/office/powerpoint/2010/main" spd="slow"/>
     </mc:Fallback>
   </mc:AlternateContent>
@@ -19545,11 +19500,11 @@
   <p:clrMapOvr>
     <a:masterClrMapping/>
   </p:clrMapOvr>
-  <mc:AlternateContent xmlns:mc="http://schemas.openxmlformats.org/markup-compatibility/2006">
-    <mc:Choice xmlns:p14="http://schemas.microsoft.com/office/powerpoint/2010/main" Requires="p14">
+  <mc:AlternateContent xmlns:mc="http://schemas.openxmlformats.org/markup-compatibility/2006" xmlns:p14="http://schemas.microsoft.com/office/powerpoint/2010/main">
+    <mc:Choice Requires="p14">
       <p:transition spd="slow" p14:dur="2000"/>
     </mc:Choice>
-    <mc:Fallback>
+    <mc:Fallback xmlns="">
       <p:transition xmlns:p14="http://schemas.microsoft.com/office/powerpoint/2010/main" spd="slow"/>
     </mc:Fallback>
   </mc:AlternateContent>
@@ -26340,15 +26295,7 @@
                   <a:schemeClr val="tx1"/>
                 </a:solidFill>
               </a:rPr>
-              <a:t>Assuming</a:t>
-            </a:r>
-            <a:r>
-              <a:rPr lang="en-US" dirty="0" smtClean="0">
-                <a:solidFill>
-                  <a:schemeClr val="tx1"/>
-                </a:solidFill>
-              </a:rPr>
-              <a:t> little Endian machine</a:t>
+              <a:t>Assuming little Endian machine</a:t>
             </a:r>
             <a:endParaRPr lang="en-US" dirty="0">
               <a:solidFill>
@@ -39771,14 +39718,6 @@
               </a:rPr>
               <a:t>p = &amp;a[0]; //equivalent to p = a; </a:t>
             </a:r>
-            <a:endParaRPr lang="en-US" altLang="zh-CN" sz="2000" dirty="0" smtClean="0">
-              <a:solidFill>
-                <a:srgbClr val="000000"/>
-              </a:solidFill>
-              <a:latin typeface="Consolas"/>
-              <a:ea typeface="宋体" pitchFamily="2" charset="-122"/>
-              <a:cs typeface="Consolas"/>
-            </a:endParaRPr>
           </a:p>
         </p:txBody>
       </p:sp>
@@ -45196,14 +45135,6 @@
               </a:rPr>
               <a:t>p = &amp;a[0]; </a:t>
             </a:r>
-            <a:endParaRPr lang="en-US" altLang="zh-CN" sz="2000" dirty="0" smtClean="0">
-              <a:solidFill>
-                <a:srgbClr val="000000"/>
-              </a:solidFill>
-              <a:latin typeface="Consolas"/>
-              <a:ea typeface="宋体" pitchFamily="2" charset="-122"/>
-              <a:cs typeface="Consolas"/>
-            </a:endParaRPr>
           </a:p>
         </p:txBody>
       </p:sp>
@@ -49464,14 +49395,6 @@
               </a:rPr>
               <a:t>p = &amp;a[0]; </a:t>
             </a:r>
-            <a:endParaRPr lang="en-US" altLang="zh-CN" sz="2000" dirty="0" smtClean="0">
-              <a:solidFill>
-                <a:srgbClr val="000000"/>
-              </a:solidFill>
-              <a:latin typeface="Consolas"/>
-              <a:ea typeface="宋体" pitchFamily="2" charset="-122"/>
-              <a:cs typeface="Consolas"/>
-            </a:endParaRPr>
           </a:p>
         </p:txBody>
       </p:sp>
